--- a/Spock presentation.pptx
+++ b/Spock presentation.pptx
@@ -12,6 +12,14 @@
     <p:sldId id="259" r:id="rId6"/>
     <p:sldId id="261" r:id="rId7"/>
     <p:sldId id="262" r:id="rId8"/>
+    <p:sldId id="263" r:id="rId9"/>
+    <p:sldId id="264" r:id="rId10"/>
+    <p:sldId id="265" r:id="rId11"/>
+    <p:sldId id="266" r:id="rId12"/>
+    <p:sldId id="267" r:id="rId13"/>
+    <p:sldId id="268" r:id="rId14"/>
+    <p:sldId id="269" r:id="rId15"/>
+    <p:sldId id="270" r:id="rId16"/>
   </p:sldIdLst>
   <p:sldSz cx="9144000" cy="6858000" type="screen4x3"/>
   <p:notesSz cx="6858000" cy="9144000"/>
@@ -294,7 +302,7 @@
           <a:p>
             <a:fld id="{8037FE19-1D4C-448B-9B4B-3E7C8BF3908D}" type="datetimeFigureOut">
               <a:rPr lang="en-US" smtClean="0"/>
-              <a:t>9/5/2015</a:t>
+              <a:t>9/6/2015</a:t>
             </a:fld>
             <a:endParaRPr lang="en-US"/>
           </a:p>
@@ -464,7 +472,7 @@
           <a:p>
             <a:fld id="{8037FE19-1D4C-448B-9B4B-3E7C8BF3908D}" type="datetimeFigureOut">
               <a:rPr lang="en-US" smtClean="0"/>
-              <a:t>9/5/2015</a:t>
+              <a:t>9/6/2015</a:t>
             </a:fld>
             <a:endParaRPr lang="en-US"/>
           </a:p>
@@ -644,7 +652,7 @@
           <a:p>
             <a:fld id="{8037FE19-1D4C-448B-9B4B-3E7C8BF3908D}" type="datetimeFigureOut">
               <a:rPr lang="en-US" smtClean="0"/>
-              <a:t>9/5/2015</a:t>
+              <a:t>9/6/2015</a:t>
             </a:fld>
             <a:endParaRPr lang="en-US"/>
           </a:p>
@@ -814,7 +822,7 @@
           <a:p>
             <a:fld id="{8037FE19-1D4C-448B-9B4B-3E7C8BF3908D}" type="datetimeFigureOut">
               <a:rPr lang="en-US" smtClean="0"/>
-              <a:t>9/5/2015</a:t>
+              <a:t>9/6/2015</a:t>
             </a:fld>
             <a:endParaRPr lang="en-US"/>
           </a:p>
@@ -1060,7 +1068,7 @@
           <a:p>
             <a:fld id="{8037FE19-1D4C-448B-9B4B-3E7C8BF3908D}" type="datetimeFigureOut">
               <a:rPr lang="en-US" smtClean="0"/>
-              <a:t>9/5/2015</a:t>
+              <a:t>9/6/2015</a:t>
             </a:fld>
             <a:endParaRPr lang="en-US"/>
           </a:p>
@@ -1348,7 +1356,7 @@
           <a:p>
             <a:fld id="{8037FE19-1D4C-448B-9B4B-3E7C8BF3908D}" type="datetimeFigureOut">
               <a:rPr lang="en-US" smtClean="0"/>
-              <a:t>9/5/2015</a:t>
+              <a:t>9/6/2015</a:t>
             </a:fld>
             <a:endParaRPr lang="en-US"/>
           </a:p>
@@ -1770,7 +1778,7 @@
           <a:p>
             <a:fld id="{8037FE19-1D4C-448B-9B4B-3E7C8BF3908D}" type="datetimeFigureOut">
               <a:rPr lang="en-US" smtClean="0"/>
-              <a:t>9/5/2015</a:t>
+              <a:t>9/6/2015</a:t>
             </a:fld>
             <a:endParaRPr lang="en-US"/>
           </a:p>
@@ -1888,7 +1896,7 @@
           <a:p>
             <a:fld id="{8037FE19-1D4C-448B-9B4B-3E7C8BF3908D}" type="datetimeFigureOut">
               <a:rPr lang="en-US" smtClean="0"/>
-              <a:t>9/5/2015</a:t>
+              <a:t>9/6/2015</a:t>
             </a:fld>
             <a:endParaRPr lang="en-US"/>
           </a:p>
@@ -1983,7 +1991,7 @@
           <a:p>
             <a:fld id="{8037FE19-1D4C-448B-9B4B-3E7C8BF3908D}" type="datetimeFigureOut">
               <a:rPr lang="en-US" smtClean="0"/>
-              <a:t>9/5/2015</a:t>
+              <a:t>9/6/2015</a:t>
             </a:fld>
             <a:endParaRPr lang="en-US"/>
           </a:p>
@@ -2260,7 +2268,7 @@
           <a:p>
             <a:fld id="{8037FE19-1D4C-448B-9B4B-3E7C8BF3908D}" type="datetimeFigureOut">
               <a:rPr lang="en-US" smtClean="0"/>
-              <a:t>9/5/2015</a:t>
+              <a:t>9/6/2015</a:t>
             </a:fld>
             <a:endParaRPr lang="en-US"/>
           </a:p>
@@ -2513,7 +2521,7 @@
           <a:p>
             <a:fld id="{8037FE19-1D4C-448B-9B4B-3E7C8BF3908D}" type="datetimeFigureOut">
               <a:rPr lang="en-US" smtClean="0"/>
-              <a:t>9/5/2015</a:t>
+              <a:t>9/6/2015</a:t>
             </a:fld>
             <a:endParaRPr lang="en-US"/>
           </a:p>
@@ -2726,7 +2734,7 @@
           <a:p>
             <a:fld id="{8037FE19-1D4C-448B-9B4B-3E7C8BF3908D}" type="datetimeFigureOut">
               <a:rPr lang="en-US" smtClean="0"/>
-              <a:t>9/5/2015</a:t>
+              <a:t>9/6/2015</a:t>
             </a:fld>
             <a:endParaRPr lang="en-US"/>
           </a:p>
@@ -3111,9 +3119,14 @@
             <p:ph type="ctrTitle"/>
           </p:nvPr>
         </p:nvSpPr>
-        <p:spPr/>
-        <p:txBody>
-          <a:bodyPr/>
+        <p:spPr>
+          <a:xfrm>
+            <a:off x="678873" y="685800"/>
+            <a:ext cx="7772400" cy="1470025"/>
+          </a:xfrm>
+        </p:spPr>
+        <p:txBody>
+          <a:bodyPr anchor="t"/>
           <a:lstStyle/>
           <a:p>
             <a:r>
@@ -3150,10 +3163,64 @@
           <a:bodyPr/>
           <a:lstStyle/>
           <a:p>
-            <a:endParaRPr lang="en-US"/>
-          </a:p>
-        </p:txBody>
-      </p:sp>
+            <a:endParaRPr lang="en-US" dirty="0"/>
+          </a:p>
+        </p:txBody>
+      </p:sp>
+      <p:pic>
+        <p:nvPicPr>
+          <p:cNvPr id="2050" name="Picture 2"/>
+          <p:cNvPicPr>
+            <a:picLocks noChangeAspect="1" noChangeArrowheads="1"/>
+          </p:cNvPicPr>
+          <p:nvPr/>
+        </p:nvPicPr>
+        <p:blipFill>
+          <a:blip r:embed="rId2">
+            <a:extLst>
+              <a:ext uri="{28A0092B-C50C-407E-A947-70E740481C1C}">
+                <a14:useLocalDpi xmlns:a14="http://schemas.microsoft.com/office/drawing/2010/main" val="0"/>
+              </a:ext>
+            </a:extLst>
+          </a:blip>
+          <a:srcRect/>
+          <a:stretch>
+            <a:fillRect/>
+          </a:stretch>
+        </p:blipFill>
+        <p:spPr bwMode="auto">
+          <a:xfrm>
+            <a:off x="1797628" y="1905000"/>
+            <a:ext cx="5715000" cy="3810000"/>
+          </a:xfrm>
+          <a:prstGeom prst="rect">
+            <a:avLst/>
+          </a:prstGeom>
+          <a:noFill/>
+          <a:ln>
+            <a:noFill/>
+          </a:ln>
+          <a:extLst>
+            <a:ext uri="{909E8E84-426E-40DD-AFC4-6F175D3DCCD1}">
+              <a14:hiddenFill xmlns:a14="http://schemas.microsoft.com/office/drawing/2010/main">
+                <a:solidFill>
+                  <a:schemeClr val="accent1"/>
+                </a:solidFill>
+              </a14:hiddenFill>
+            </a:ext>
+            <a:ext uri="{91240B29-F687-4F45-9708-019B960494DF}">
+              <a14:hiddenLine xmlns:a14="http://schemas.microsoft.com/office/drawing/2010/main" w="9525">
+                <a:solidFill>
+                  <a:schemeClr val="tx1"/>
+                </a:solidFill>
+                <a:miter lim="800000"/>
+                <a:headEnd/>
+                <a:tailEnd/>
+              </a14:hiddenLine>
+            </a:ext>
+          </a:extLst>
+        </p:spPr>
+      </p:pic>
     </p:spTree>
     <p:extLst>
       <p:ext uri="{BB962C8B-B14F-4D97-AF65-F5344CB8AC3E}">
@@ -3174,6 +3241,785 @@
 </p:sld>
 </file>
 
+<file path=ppt/slides/slide10.xml><?xml version="1.0" encoding="utf-8"?>
+<p:sld xmlns:a="http://schemas.openxmlformats.org/drawingml/2006/main" xmlns:r="http://schemas.openxmlformats.org/officeDocument/2006/relationships" xmlns:p="http://schemas.openxmlformats.org/presentationml/2006/main">
+  <p:cSld>
+    <p:spTree>
+      <p:nvGrpSpPr>
+        <p:cNvPr id="1" name=""/>
+        <p:cNvGrpSpPr/>
+        <p:nvPr/>
+      </p:nvGrpSpPr>
+      <p:grpSpPr>
+        <a:xfrm>
+          <a:off x="0" y="0"/>
+          <a:ext cx="0" cy="0"/>
+          <a:chOff x="0" y="0"/>
+          <a:chExt cx="0" cy="0"/>
+        </a:xfrm>
+      </p:grpSpPr>
+      <p:sp>
+        <p:nvSpPr>
+          <p:cNvPr id="2" name="Title 1"/>
+          <p:cNvSpPr>
+            <a:spLocks noGrp="1"/>
+          </p:cNvSpPr>
+          <p:nvPr>
+            <p:ph type="title"/>
+          </p:nvPr>
+        </p:nvSpPr>
+        <p:spPr/>
+        <p:txBody>
+          <a:bodyPr/>
+          <a:lstStyle/>
+          <a:p>
+            <a:r>
+              <a:rPr lang="en-US" dirty="0" smtClean="0"/>
+              <a:t>Dependency</a:t>
+            </a:r>
+            <a:endParaRPr lang="en-US" dirty="0"/>
+          </a:p>
+        </p:txBody>
+      </p:sp>
+      <p:sp>
+        <p:nvSpPr>
+          <p:cNvPr id="3" name="Content Placeholder 2"/>
+          <p:cNvSpPr>
+            <a:spLocks noGrp="1"/>
+          </p:cNvSpPr>
+          <p:nvPr>
+            <p:ph idx="1"/>
+          </p:nvPr>
+        </p:nvSpPr>
+        <p:spPr/>
+        <p:txBody>
+          <a:bodyPr anchor="t"/>
+          <a:lstStyle/>
+          <a:p>
+            <a:pPr marL="0" indent="0">
+              <a:buNone/>
+            </a:pPr>
+            <a:r>
+              <a:rPr lang="en-US" dirty="0"/>
+              <a:t>&lt;dependency&gt;</a:t>
+            </a:r>
+            <a:br>
+              <a:rPr lang="en-US" dirty="0"/>
+            </a:br>
+            <a:r>
+              <a:rPr lang="en-US" dirty="0"/>
+              <a:t>    &lt;</a:t>
+            </a:r>
+            <a:r>
+              <a:rPr lang="en-US" dirty="0" err="1"/>
+              <a:t>groupId</a:t>
+            </a:r>
+            <a:r>
+              <a:rPr lang="en-US" dirty="0"/>
+              <a:t>&gt;</a:t>
+            </a:r>
+            <a:r>
+              <a:rPr lang="en-US" dirty="0" err="1" smtClean="0"/>
+              <a:t>cglib</a:t>
+            </a:r>
+            <a:r>
+              <a:rPr lang="en-US" dirty="0"/>
+              <a:t>&lt;/</a:t>
+            </a:r>
+            <a:r>
+              <a:rPr lang="en-US" dirty="0" err="1"/>
+              <a:t>groupId</a:t>
+            </a:r>
+            <a:r>
+              <a:rPr lang="en-US" dirty="0"/>
+              <a:t>&gt;</a:t>
+            </a:r>
+            <a:br>
+              <a:rPr lang="en-US" dirty="0"/>
+            </a:br>
+            <a:r>
+              <a:rPr lang="en-US" dirty="0"/>
+              <a:t>    &lt;</a:t>
+            </a:r>
+            <a:r>
+              <a:rPr lang="en-US" dirty="0" err="1"/>
+              <a:t>artifactId</a:t>
+            </a:r>
+            <a:r>
+              <a:rPr lang="en-US" dirty="0"/>
+              <a:t>&gt;</a:t>
+            </a:r>
+            <a:r>
+              <a:rPr lang="en-US" dirty="0" err="1" smtClean="0"/>
+              <a:t>cglib-nodep</a:t>
+            </a:r>
+            <a:r>
+              <a:rPr lang="en-US" dirty="0"/>
+              <a:t>&lt;/</a:t>
+            </a:r>
+            <a:r>
+              <a:rPr lang="en-US" dirty="0" err="1"/>
+              <a:t>artifactId</a:t>
+            </a:r>
+            <a:r>
+              <a:rPr lang="en-US" dirty="0"/>
+              <a:t>&gt;</a:t>
+            </a:r>
+            <a:br>
+              <a:rPr lang="en-US" dirty="0"/>
+            </a:br>
+            <a:r>
+              <a:rPr lang="en-US" dirty="0"/>
+              <a:t>    &lt;version&gt;</a:t>
+            </a:r>
+            <a:r>
+              <a:rPr lang="en-US" dirty="0" smtClean="0"/>
+              <a:t>2.2.2</a:t>
+            </a:r>
+            <a:r>
+              <a:rPr lang="en-US" dirty="0"/>
+              <a:t>&lt;/version&gt;</a:t>
+            </a:r>
+            <a:br>
+              <a:rPr lang="en-US" dirty="0"/>
+            </a:br>
+            <a:r>
+              <a:rPr lang="en-US" dirty="0"/>
+              <a:t>&lt;/dependency&gt;</a:t>
+            </a:r>
+          </a:p>
+        </p:txBody>
+      </p:sp>
+    </p:spTree>
+    <p:extLst>
+      <p:ext uri="{BB962C8B-B14F-4D97-AF65-F5344CB8AC3E}">
+        <p14:creationId xmlns:p14="http://schemas.microsoft.com/office/powerpoint/2010/main" val="3093986674"/>
+      </p:ext>
+    </p:extLst>
+  </p:cSld>
+  <p:clrMapOvr>
+    <a:masterClrMapping/>
+  </p:clrMapOvr>
+  <p:timing>
+    <p:tnLst>
+      <p:par>
+        <p:cTn id="1" dur="indefinite" restart="never" nodeType="tmRoot"/>
+      </p:par>
+    </p:tnLst>
+  </p:timing>
+</p:sld>
+</file>
+
+<file path=ppt/slides/slide11.xml><?xml version="1.0" encoding="utf-8"?>
+<p:sld xmlns:a="http://schemas.openxmlformats.org/drawingml/2006/main" xmlns:r="http://schemas.openxmlformats.org/officeDocument/2006/relationships" xmlns:p="http://schemas.openxmlformats.org/presentationml/2006/main">
+  <p:cSld>
+    <p:spTree>
+      <p:nvGrpSpPr>
+        <p:cNvPr id="1" name=""/>
+        <p:cNvGrpSpPr/>
+        <p:nvPr/>
+      </p:nvGrpSpPr>
+      <p:grpSpPr>
+        <a:xfrm>
+          <a:off x="0" y="0"/>
+          <a:ext cx="0" cy="0"/>
+          <a:chOff x="0" y="0"/>
+          <a:chExt cx="0" cy="0"/>
+        </a:xfrm>
+      </p:grpSpPr>
+      <p:sp>
+        <p:nvSpPr>
+          <p:cNvPr id="2" name="Title 1"/>
+          <p:cNvSpPr>
+            <a:spLocks noGrp="1"/>
+          </p:cNvSpPr>
+          <p:nvPr>
+            <p:ph type="title"/>
+          </p:nvPr>
+        </p:nvSpPr>
+        <p:spPr/>
+        <p:txBody>
+          <a:bodyPr/>
+          <a:lstStyle/>
+          <a:p>
+            <a:r>
+              <a:rPr lang="en-US" dirty="0" smtClean="0"/>
+              <a:t>Example</a:t>
+            </a:r>
+            <a:endParaRPr lang="en-US" dirty="0"/>
+          </a:p>
+        </p:txBody>
+      </p:sp>
+      <p:pic>
+        <p:nvPicPr>
+          <p:cNvPr id="6146" name="Picture 2"/>
+          <p:cNvPicPr>
+            <a:picLocks noGrp="1" noChangeAspect="1" noChangeArrowheads="1"/>
+          </p:cNvPicPr>
+          <p:nvPr>
+            <p:ph idx="1"/>
+          </p:nvPr>
+        </p:nvPicPr>
+        <p:blipFill>
+          <a:blip r:embed="rId2">
+            <a:extLst>
+              <a:ext uri="{28A0092B-C50C-407E-A947-70E740481C1C}">
+                <a14:useLocalDpi xmlns:a14="http://schemas.microsoft.com/office/drawing/2010/main" val="0"/>
+              </a:ext>
+            </a:extLst>
+          </a:blip>
+          <a:srcRect/>
+          <a:stretch>
+            <a:fillRect/>
+          </a:stretch>
+        </p:blipFill>
+        <p:spPr bwMode="auto">
+          <a:xfrm>
+            <a:off x="1905000" y="1371600"/>
+            <a:ext cx="5366213" cy="4953427"/>
+          </a:xfrm>
+          <a:prstGeom prst="rect">
+            <a:avLst/>
+          </a:prstGeom>
+          <a:noFill/>
+          <a:ln>
+            <a:noFill/>
+          </a:ln>
+          <a:extLst>
+            <a:ext uri="{909E8E84-426E-40DD-AFC4-6F175D3DCCD1}">
+              <a14:hiddenFill xmlns:a14="http://schemas.microsoft.com/office/drawing/2010/main">
+                <a:solidFill>
+                  <a:schemeClr val="accent1"/>
+                </a:solidFill>
+              </a14:hiddenFill>
+            </a:ext>
+            <a:ext uri="{91240B29-F687-4F45-9708-019B960494DF}">
+              <a14:hiddenLine xmlns:a14="http://schemas.microsoft.com/office/drawing/2010/main" w="9525">
+                <a:solidFill>
+                  <a:schemeClr val="tx1"/>
+                </a:solidFill>
+                <a:miter lim="800000"/>
+                <a:headEnd/>
+                <a:tailEnd/>
+              </a14:hiddenLine>
+            </a:ext>
+          </a:extLst>
+        </p:spPr>
+      </p:pic>
+    </p:spTree>
+    <p:extLst>
+      <p:ext uri="{BB962C8B-B14F-4D97-AF65-F5344CB8AC3E}">
+        <p14:creationId xmlns:p14="http://schemas.microsoft.com/office/powerpoint/2010/main" val="475541609"/>
+      </p:ext>
+    </p:extLst>
+  </p:cSld>
+  <p:clrMapOvr>
+    <a:masterClrMapping/>
+  </p:clrMapOvr>
+  <p:timing>
+    <p:tnLst>
+      <p:par>
+        <p:cTn id="1" dur="indefinite" restart="never" nodeType="tmRoot"/>
+      </p:par>
+    </p:tnLst>
+  </p:timing>
+</p:sld>
+</file>
+
+<file path=ppt/slides/slide12.xml><?xml version="1.0" encoding="utf-8"?>
+<p:sld xmlns:a="http://schemas.openxmlformats.org/drawingml/2006/main" xmlns:r="http://schemas.openxmlformats.org/officeDocument/2006/relationships" xmlns:p="http://schemas.openxmlformats.org/presentationml/2006/main">
+  <p:cSld>
+    <p:spTree>
+      <p:nvGrpSpPr>
+        <p:cNvPr id="1" name=""/>
+        <p:cNvGrpSpPr/>
+        <p:nvPr/>
+      </p:nvGrpSpPr>
+      <p:grpSpPr>
+        <a:xfrm>
+          <a:off x="0" y="0"/>
+          <a:ext cx="0" cy="0"/>
+          <a:chOff x="0" y="0"/>
+          <a:chExt cx="0" cy="0"/>
+        </a:xfrm>
+      </p:grpSpPr>
+      <p:sp>
+        <p:nvSpPr>
+          <p:cNvPr id="2" name="Title 1"/>
+          <p:cNvSpPr>
+            <a:spLocks noGrp="1"/>
+          </p:cNvSpPr>
+          <p:nvPr>
+            <p:ph type="title"/>
+          </p:nvPr>
+        </p:nvSpPr>
+        <p:spPr/>
+        <p:txBody>
+          <a:bodyPr>
+            <a:normAutofit/>
+          </a:bodyPr>
+          <a:lstStyle/>
+          <a:p>
+            <a:r>
+              <a:rPr lang="en-US" dirty="0" smtClean="0"/>
+              <a:t>Argument Constraints</a:t>
+            </a:r>
+            <a:endParaRPr lang="en-US" dirty="0"/>
+          </a:p>
+        </p:txBody>
+      </p:sp>
+      <p:pic>
+        <p:nvPicPr>
+          <p:cNvPr id="1026" name="Picture 2"/>
+          <p:cNvPicPr>
+            <a:picLocks noGrp="1" noChangeAspect="1" noChangeArrowheads="1"/>
+          </p:cNvPicPr>
+          <p:nvPr>
+            <p:ph idx="1"/>
+          </p:nvPr>
+        </p:nvPicPr>
+        <p:blipFill>
+          <a:blip r:embed="rId2">
+            <a:extLst>
+              <a:ext uri="{28A0092B-C50C-407E-A947-70E740481C1C}">
+                <a14:useLocalDpi xmlns:a14="http://schemas.microsoft.com/office/drawing/2010/main" val="0"/>
+              </a:ext>
+            </a:extLst>
+          </a:blip>
+          <a:srcRect/>
+          <a:stretch>
+            <a:fillRect/>
+          </a:stretch>
+        </p:blipFill>
+        <p:spPr bwMode="auto">
+          <a:xfrm>
+            <a:off x="457200" y="2514600"/>
+            <a:ext cx="8534400" cy="2320248"/>
+          </a:xfrm>
+          <a:prstGeom prst="rect">
+            <a:avLst/>
+          </a:prstGeom>
+          <a:noFill/>
+          <a:ln>
+            <a:noFill/>
+          </a:ln>
+          <a:extLst>
+            <a:ext uri="{909E8E84-426E-40DD-AFC4-6F175D3DCCD1}">
+              <a14:hiddenFill xmlns:a14="http://schemas.microsoft.com/office/drawing/2010/main">
+                <a:solidFill>
+                  <a:schemeClr val="accent1"/>
+                </a:solidFill>
+              </a14:hiddenFill>
+            </a:ext>
+            <a:ext uri="{91240B29-F687-4F45-9708-019B960494DF}">
+              <a14:hiddenLine xmlns:a14="http://schemas.microsoft.com/office/drawing/2010/main" w="9525">
+                <a:solidFill>
+                  <a:schemeClr val="tx1"/>
+                </a:solidFill>
+                <a:miter lim="800000"/>
+                <a:headEnd/>
+                <a:tailEnd/>
+              </a14:hiddenLine>
+            </a:ext>
+          </a:extLst>
+        </p:spPr>
+      </p:pic>
+    </p:spTree>
+    <p:extLst>
+      <p:ext uri="{BB962C8B-B14F-4D97-AF65-F5344CB8AC3E}">
+        <p14:creationId xmlns:p14="http://schemas.microsoft.com/office/powerpoint/2010/main" val="587733774"/>
+      </p:ext>
+    </p:extLst>
+  </p:cSld>
+  <p:clrMapOvr>
+    <a:masterClrMapping/>
+  </p:clrMapOvr>
+  <p:timing>
+    <p:tnLst>
+      <p:par>
+        <p:cTn id="1" dur="indefinite" restart="never" nodeType="tmRoot"/>
+      </p:par>
+    </p:tnLst>
+  </p:timing>
+</p:sld>
+</file>
+
+<file path=ppt/slides/slide13.xml><?xml version="1.0" encoding="utf-8"?>
+<p:sld xmlns:a="http://schemas.openxmlformats.org/drawingml/2006/main" xmlns:r="http://schemas.openxmlformats.org/officeDocument/2006/relationships" xmlns:p="http://schemas.openxmlformats.org/presentationml/2006/main">
+  <p:cSld>
+    <p:spTree>
+      <p:nvGrpSpPr>
+        <p:cNvPr id="1" name=""/>
+        <p:cNvGrpSpPr/>
+        <p:nvPr/>
+      </p:nvGrpSpPr>
+      <p:grpSpPr>
+        <a:xfrm>
+          <a:off x="0" y="0"/>
+          <a:ext cx="0" cy="0"/>
+          <a:chOff x="0" y="0"/>
+          <a:chExt cx="0" cy="0"/>
+        </a:xfrm>
+      </p:grpSpPr>
+      <p:sp>
+        <p:nvSpPr>
+          <p:cNvPr id="2" name="Title 1"/>
+          <p:cNvSpPr>
+            <a:spLocks noGrp="1"/>
+          </p:cNvSpPr>
+          <p:nvPr>
+            <p:ph type="title"/>
+          </p:nvPr>
+        </p:nvSpPr>
+        <p:spPr/>
+        <p:txBody>
+          <a:bodyPr/>
+          <a:lstStyle/>
+          <a:p>
+            <a:r>
+              <a:rPr lang="en-US" dirty="0" smtClean="0"/>
+              <a:t>Stubbing</a:t>
+            </a:r>
+            <a:endParaRPr lang="en-US" dirty="0"/>
+          </a:p>
+        </p:txBody>
+      </p:sp>
+      <p:sp>
+        <p:nvSpPr>
+          <p:cNvPr id="3" name="Content Placeholder 2"/>
+          <p:cNvSpPr>
+            <a:spLocks noGrp="1"/>
+          </p:cNvSpPr>
+          <p:nvPr>
+            <p:ph idx="1"/>
+          </p:nvPr>
+        </p:nvSpPr>
+        <p:spPr>
+          <a:xfrm>
+            <a:off x="457200" y="1570037"/>
+            <a:ext cx="8229600" cy="4525963"/>
+          </a:xfrm>
+        </p:spPr>
+        <p:txBody>
+          <a:bodyPr/>
+          <a:lstStyle/>
+          <a:p>
+            <a:pPr marL="0" indent="0">
+              <a:buNone/>
+            </a:pPr>
+            <a:r>
+              <a:rPr lang="en-US" dirty="0"/>
+              <a:t>Stubbing is the act of making collaborators respond to method calls in a certain way. When stubbing a method, you don’t care if and how many times the method is going to be called; you just want it to return some value, or perform some side effect, </a:t>
+            </a:r>
+            <a:r>
+              <a:rPr lang="en-US" i="1" dirty="0"/>
+              <a:t>whenever</a:t>
+            </a:r>
+            <a:r>
+              <a:rPr lang="en-US" dirty="0"/>
+              <a:t> it gets called.</a:t>
+            </a:r>
+          </a:p>
+        </p:txBody>
+      </p:sp>
+    </p:spTree>
+    <p:extLst>
+      <p:ext uri="{BB962C8B-B14F-4D97-AF65-F5344CB8AC3E}">
+        <p14:creationId xmlns:p14="http://schemas.microsoft.com/office/powerpoint/2010/main" val="2852914372"/>
+      </p:ext>
+    </p:extLst>
+  </p:cSld>
+  <p:clrMapOvr>
+    <a:masterClrMapping/>
+  </p:clrMapOvr>
+  <p:timing>
+    <p:tnLst>
+      <p:par>
+        <p:cTn id="1" dur="indefinite" restart="never" nodeType="tmRoot"/>
+      </p:par>
+    </p:tnLst>
+  </p:timing>
+</p:sld>
+</file>
+
+<file path=ppt/slides/slide14.xml><?xml version="1.0" encoding="utf-8"?>
+<p:sld xmlns:a="http://schemas.openxmlformats.org/drawingml/2006/main" xmlns:r="http://schemas.openxmlformats.org/officeDocument/2006/relationships" xmlns:p="http://schemas.openxmlformats.org/presentationml/2006/main">
+  <p:cSld>
+    <p:spTree>
+      <p:nvGrpSpPr>
+        <p:cNvPr id="1" name=""/>
+        <p:cNvGrpSpPr/>
+        <p:nvPr/>
+      </p:nvGrpSpPr>
+      <p:grpSpPr>
+        <a:xfrm>
+          <a:off x="0" y="0"/>
+          <a:ext cx="0" cy="0"/>
+          <a:chOff x="0" y="0"/>
+          <a:chExt cx="0" cy="0"/>
+        </a:xfrm>
+      </p:grpSpPr>
+      <p:sp>
+        <p:nvSpPr>
+          <p:cNvPr id="2" name="Title 1"/>
+          <p:cNvSpPr>
+            <a:spLocks noGrp="1"/>
+          </p:cNvSpPr>
+          <p:nvPr>
+            <p:ph type="title"/>
+          </p:nvPr>
+        </p:nvSpPr>
+        <p:spPr/>
+        <p:txBody>
+          <a:bodyPr/>
+          <a:lstStyle/>
+          <a:p>
+            <a:r>
+              <a:rPr lang="en-US" dirty="0" smtClean="0"/>
+              <a:t>Example</a:t>
+            </a:r>
+            <a:endParaRPr lang="en-US" dirty="0"/>
+          </a:p>
+        </p:txBody>
+      </p:sp>
+      <p:pic>
+        <p:nvPicPr>
+          <p:cNvPr id="3074" name="Picture 2"/>
+          <p:cNvPicPr>
+            <a:picLocks noGrp="1" noChangeAspect="1" noChangeArrowheads="1"/>
+          </p:cNvPicPr>
+          <p:nvPr>
+            <p:ph idx="1"/>
+          </p:nvPr>
+        </p:nvPicPr>
+        <p:blipFill>
+          <a:blip r:embed="rId2">
+            <a:extLst>
+              <a:ext uri="{28A0092B-C50C-407E-A947-70E740481C1C}">
+                <a14:useLocalDpi xmlns:a14="http://schemas.microsoft.com/office/drawing/2010/main" val="0"/>
+              </a:ext>
+            </a:extLst>
+          </a:blip>
+          <a:srcRect/>
+          <a:stretch>
+            <a:fillRect/>
+          </a:stretch>
+        </p:blipFill>
+        <p:spPr bwMode="auto">
+          <a:xfrm>
+            <a:off x="1828800" y="1219200"/>
+            <a:ext cx="5638800" cy="5460196"/>
+          </a:xfrm>
+          <a:prstGeom prst="rect">
+            <a:avLst/>
+          </a:prstGeom>
+          <a:noFill/>
+          <a:ln>
+            <a:noFill/>
+          </a:ln>
+          <a:extLst>
+            <a:ext uri="{909E8E84-426E-40DD-AFC4-6F175D3DCCD1}">
+              <a14:hiddenFill xmlns:a14="http://schemas.microsoft.com/office/drawing/2010/main">
+                <a:solidFill>
+                  <a:schemeClr val="accent1"/>
+                </a:solidFill>
+              </a14:hiddenFill>
+            </a:ext>
+            <a:ext uri="{91240B29-F687-4F45-9708-019B960494DF}">
+              <a14:hiddenLine xmlns:a14="http://schemas.microsoft.com/office/drawing/2010/main" w="9525">
+                <a:solidFill>
+                  <a:schemeClr val="tx1"/>
+                </a:solidFill>
+                <a:miter lim="800000"/>
+                <a:headEnd/>
+                <a:tailEnd/>
+              </a14:hiddenLine>
+            </a:ext>
+          </a:extLst>
+        </p:spPr>
+      </p:pic>
+    </p:spTree>
+    <p:extLst>
+      <p:ext uri="{BB962C8B-B14F-4D97-AF65-F5344CB8AC3E}">
+        <p14:creationId xmlns:p14="http://schemas.microsoft.com/office/powerpoint/2010/main" val="3079522535"/>
+      </p:ext>
+    </p:extLst>
+  </p:cSld>
+  <p:clrMapOvr>
+    <a:masterClrMapping/>
+  </p:clrMapOvr>
+  <p:timing>
+    <p:tnLst>
+      <p:par>
+        <p:cTn id="1" dur="indefinite" restart="never" nodeType="tmRoot"/>
+      </p:par>
+    </p:tnLst>
+  </p:timing>
+</p:sld>
+</file>
+
+<file path=ppt/slides/slide15.xml><?xml version="1.0" encoding="utf-8"?>
+<p:sld xmlns:a="http://schemas.openxmlformats.org/drawingml/2006/main" xmlns:r="http://schemas.openxmlformats.org/officeDocument/2006/relationships" xmlns:p="http://schemas.openxmlformats.org/presentationml/2006/main">
+  <p:cSld>
+    <p:spTree>
+      <p:nvGrpSpPr>
+        <p:cNvPr id="1" name=""/>
+        <p:cNvGrpSpPr/>
+        <p:nvPr/>
+      </p:nvGrpSpPr>
+      <p:grpSpPr>
+        <a:xfrm>
+          <a:off x="0" y="0"/>
+          <a:ext cx="0" cy="0"/>
+          <a:chOff x="0" y="0"/>
+          <a:chExt cx="0" cy="0"/>
+        </a:xfrm>
+      </p:grpSpPr>
+      <p:sp>
+        <p:nvSpPr>
+          <p:cNvPr id="2" name="Title 1"/>
+          <p:cNvSpPr>
+            <a:spLocks noGrp="1"/>
+          </p:cNvSpPr>
+          <p:nvPr>
+            <p:ph type="title"/>
+          </p:nvPr>
+        </p:nvSpPr>
+        <p:spPr/>
+        <p:txBody>
+          <a:bodyPr/>
+          <a:lstStyle/>
+          <a:p>
+            <a:r>
+              <a:rPr lang="en-US" dirty="0" smtClean="0"/>
+              <a:t>Spock &amp; Spring</a:t>
+            </a:r>
+            <a:endParaRPr lang="en-US" dirty="0"/>
+          </a:p>
+        </p:txBody>
+      </p:sp>
+      <p:sp>
+        <p:nvSpPr>
+          <p:cNvPr id="3" name="Content Placeholder 2"/>
+          <p:cNvSpPr>
+            <a:spLocks noGrp="1"/>
+          </p:cNvSpPr>
+          <p:nvPr>
+            <p:ph idx="1"/>
+          </p:nvPr>
+        </p:nvSpPr>
+        <p:spPr/>
+        <p:txBody>
+          <a:bodyPr/>
+          <a:lstStyle/>
+          <a:p>
+            <a:pPr marL="0" indent="0">
+              <a:buNone/>
+            </a:pPr>
+            <a:r>
+              <a:rPr lang="en-US" dirty="0"/>
+              <a:t>&lt;dependency&gt;</a:t>
+            </a:r>
+          </a:p>
+          <a:p>
+            <a:pPr marL="0" indent="0">
+              <a:buNone/>
+            </a:pPr>
+            <a:r>
+              <a:rPr lang="en-US" dirty="0"/>
+              <a:t>	&lt;</a:t>
+            </a:r>
+            <a:r>
+              <a:rPr lang="en-US" dirty="0" err="1"/>
+              <a:t>groupId</a:t>
+            </a:r>
+            <a:r>
+              <a:rPr lang="en-US" dirty="0"/>
+              <a:t>&gt;</a:t>
+            </a:r>
+            <a:r>
+              <a:rPr lang="en-US" dirty="0" err="1"/>
+              <a:t>org.spockframework</a:t>
+            </a:r>
+            <a:r>
+              <a:rPr lang="en-US" dirty="0"/>
+              <a:t>&lt;/</a:t>
+            </a:r>
+            <a:r>
+              <a:rPr lang="en-US" dirty="0" err="1"/>
+              <a:t>groupId</a:t>
+            </a:r>
+            <a:r>
+              <a:rPr lang="en-US" dirty="0"/>
+              <a:t>&gt;</a:t>
+            </a:r>
+          </a:p>
+          <a:p>
+            <a:pPr marL="0" indent="0">
+              <a:buNone/>
+            </a:pPr>
+            <a:r>
+              <a:rPr lang="en-US" dirty="0"/>
+              <a:t>	&lt;</a:t>
+            </a:r>
+            <a:r>
+              <a:rPr lang="en-US" dirty="0" err="1"/>
+              <a:t>artifactId</a:t>
+            </a:r>
+            <a:r>
+              <a:rPr lang="en-US" dirty="0"/>
+              <a:t>&gt;</a:t>
+            </a:r>
+            <a:r>
+              <a:rPr lang="en-US" dirty="0" err="1"/>
+              <a:t>spock</a:t>
+            </a:r>
+            <a:r>
+              <a:rPr lang="en-US" dirty="0"/>
+              <a:t>-spring&lt;/</a:t>
+            </a:r>
+            <a:r>
+              <a:rPr lang="en-US" dirty="0" err="1"/>
+              <a:t>artifactId</a:t>
+            </a:r>
+            <a:r>
+              <a:rPr lang="en-US" dirty="0"/>
+              <a:t>&gt;</a:t>
+            </a:r>
+          </a:p>
+          <a:p>
+            <a:pPr marL="0" indent="0">
+              <a:buNone/>
+            </a:pPr>
+            <a:r>
+              <a:rPr lang="en-US" dirty="0"/>
+              <a:t>	&lt;version&gt;0.7-groovy-2.0&lt;/version&gt;</a:t>
+            </a:r>
+          </a:p>
+          <a:p>
+            <a:pPr marL="0" indent="0">
+              <a:buNone/>
+            </a:pPr>
+            <a:r>
+              <a:rPr lang="en-US" dirty="0"/>
+              <a:t>&lt;/dependency&gt;</a:t>
+            </a:r>
+          </a:p>
+        </p:txBody>
+      </p:sp>
+    </p:spTree>
+    <p:extLst>
+      <p:ext uri="{BB962C8B-B14F-4D97-AF65-F5344CB8AC3E}">
+        <p14:creationId xmlns:p14="http://schemas.microsoft.com/office/powerpoint/2010/main" val="2639628033"/>
+      </p:ext>
+    </p:extLst>
+  </p:cSld>
+  <p:clrMapOvr>
+    <a:masterClrMapping/>
+  </p:clrMapOvr>
+</p:sld>
+</file>
+
 <file path=ppt/slides/slide2.xml><?xml version="1.0" encoding="utf-8"?>
 <p:sld xmlns:a="http://schemas.openxmlformats.org/drawingml/2006/main" xmlns:r="http://schemas.openxmlformats.org/officeDocument/2006/relationships" xmlns:p="http://schemas.openxmlformats.org/presentationml/2006/main">
   <p:cSld>
@@ -3264,6 +4110,13 @@
   <p:clrMapOvr>
     <a:masterClrMapping/>
   </p:clrMapOvr>
+  <p:timing>
+    <p:tnLst>
+      <p:par>
+        <p:cTn id="1" dur="indefinite" restart="never" nodeType="tmRoot"/>
+      </p:par>
+    </p:tnLst>
+  </p:timing>
 </p:sld>
 </file>
 
@@ -3742,6 +4595,13 @@
   <p:clrMapOvr>
     <a:masterClrMapping/>
   </p:clrMapOvr>
+  <p:timing>
+    <p:tnLst>
+      <p:par>
+        <p:cTn id="1" dur="indefinite" restart="never" nodeType="tmRoot"/>
+      </p:par>
+    </p:tnLst>
+  </p:timing>
 </p:sld>
 </file>
 
@@ -3986,6 +4846,13 @@
   <p:clrMapOvr>
     <a:masterClrMapping/>
   </p:clrMapOvr>
+  <p:timing>
+    <p:tnLst>
+      <p:par>
+        <p:cTn id="1" dur="indefinite" restart="never" nodeType="tmRoot"/>
+      </p:par>
+    </p:tnLst>
+  </p:timing>
 </p:sld>
 </file>
 
@@ -4095,6 +4962,224 @@
   <p:clrMapOvr>
     <a:masterClrMapping/>
   </p:clrMapOvr>
+  <p:timing>
+    <p:tnLst>
+      <p:par>
+        <p:cTn id="1" dur="indefinite" restart="never" nodeType="tmRoot"/>
+      </p:par>
+    </p:tnLst>
+  </p:timing>
+</p:sld>
+</file>
+
+<file path=ppt/slides/slide8.xml><?xml version="1.0" encoding="utf-8"?>
+<p:sld xmlns:a="http://schemas.openxmlformats.org/drawingml/2006/main" xmlns:r="http://schemas.openxmlformats.org/officeDocument/2006/relationships" xmlns:p="http://schemas.openxmlformats.org/presentationml/2006/main">
+  <p:cSld>
+    <p:spTree>
+      <p:nvGrpSpPr>
+        <p:cNvPr id="1" name=""/>
+        <p:cNvGrpSpPr/>
+        <p:nvPr/>
+      </p:nvGrpSpPr>
+      <p:grpSpPr>
+        <a:xfrm>
+          <a:off x="0" y="0"/>
+          <a:ext cx="0" cy="0"/>
+          <a:chOff x="0" y="0"/>
+          <a:chExt cx="0" cy="0"/>
+        </a:xfrm>
+      </p:grpSpPr>
+      <p:sp>
+        <p:nvSpPr>
+          <p:cNvPr id="2" name="Title 1"/>
+          <p:cNvSpPr>
+            <a:spLocks noGrp="1"/>
+          </p:cNvSpPr>
+          <p:nvPr>
+            <p:ph type="title"/>
+          </p:nvPr>
+        </p:nvSpPr>
+        <p:spPr/>
+        <p:txBody>
+          <a:bodyPr>
+            <a:normAutofit fontScale="90000"/>
+          </a:bodyPr>
+          <a:lstStyle/>
+          <a:p>
+            <a:r>
+              <a:rPr lang="en-US" dirty="0" smtClean="0"/>
+              <a:t>Parametrization rocks!!!</a:t>
+            </a:r>
+            <a:br>
+              <a:rPr lang="en-US" dirty="0" smtClean="0"/>
+            </a:br>
+            <a:r>
+              <a:rPr lang="en-US" dirty="0" smtClean="0"/>
+              <a:t>Especially with @Unroll</a:t>
+            </a:r>
+            <a:endParaRPr lang="en-US" dirty="0"/>
+          </a:p>
+        </p:txBody>
+      </p:sp>
+      <p:pic>
+        <p:nvPicPr>
+          <p:cNvPr id="5122" name="Picture 2"/>
+          <p:cNvPicPr>
+            <a:picLocks noGrp="1" noChangeAspect="1" noChangeArrowheads="1"/>
+          </p:cNvPicPr>
+          <p:nvPr>
+            <p:ph idx="1"/>
+          </p:nvPr>
+        </p:nvPicPr>
+        <p:blipFill>
+          <a:blip r:embed="rId2">
+            <a:extLst>
+              <a:ext uri="{28A0092B-C50C-407E-A947-70E740481C1C}">
+                <a14:useLocalDpi xmlns:a14="http://schemas.microsoft.com/office/drawing/2010/main" val="0"/>
+              </a:ext>
+            </a:extLst>
+          </a:blip>
+          <a:srcRect/>
+          <a:stretch>
+            <a:fillRect/>
+          </a:stretch>
+        </p:blipFill>
+        <p:spPr bwMode="auto">
+          <a:xfrm>
+            <a:off x="152400" y="2667000"/>
+            <a:ext cx="8757685" cy="2655108"/>
+          </a:xfrm>
+          <a:prstGeom prst="rect">
+            <a:avLst/>
+          </a:prstGeom>
+          <a:noFill/>
+          <a:ln>
+            <a:noFill/>
+          </a:ln>
+          <a:extLst>
+            <a:ext uri="{909E8E84-426E-40DD-AFC4-6F175D3DCCD1}">
+              <a14:hiddenFill xmlns:a14="http://schemas.microsoft.com/office/drawing/2010/main">
+                <a:solidFill>
+                  <a:schemeClr val="accent1"/>
+                </a:solidFill>
+              </a14:hiddenFill>
+            </a:ext>
+            <a:ext uri="{91240B29-F687-4F45-9708-019B960494DF}">
+              <a14:hiddenLine xmlns:a14="http://schemas.microsoft.com/office/drawing/2010/main" w="9525">
+                <a:solidFill>
+                  <a:schemeClr val="tx1"/>
+                </a:solidFill>
+                <a:miter lim="800000"/>
+                <a:headEnd/>
+                <a:tailEnd/>
+              </a14:hiddenLine>
+            </a:ext>
+          </a:extLst>
+        </p:spPr>
+      </p:pic>
+    </p:spTree>
+    <p:extLst>
+      <p:ext uri="{BB962C8B-B14F-4D97-AF65-F5344CB8AC3E}">
+        <p14:creationId xmlns:p14="http://schemas.microsoft.com/office/powerpoint/2010/main" val="1070685999"/>
+      </p:ext>
+    </p:extLst>
+  </p:cSld>
+  <p:clrMapOvr>
+    <a:masterClrMapping/>
+  </p:clrMapOvr>
+  <p:timing>
+    <p:tnLst>
+      <p:par>
+        <p:cTn id="1" dur="indefinite" restart="never" nodeType="tmRoot"/>
+      </p:par>
+    </p:tnLst>
+  </p:timing>
+</p:sld>
+</file>
+
+<file path=ppt/slides/slide9.xml><?xml version="1.0" encoding="utf-8"?>
+<p:sld xmlns:a="http://schemas.openxmlformats.org/drawingml/2006/main" xmlns:r="http://schemas.openxmlformats.org/officeDocument/2006/relationships" xmlns:p="http://schemas.openxmlformats.org/presentationml/2006/main">
+  <p:cSld>
+    <p:spTree>
+      <p:nvGrpSpPr>
+        <p:cNvPr id="1" name=""/>
+        <p:cNvGrpSpPr/>
+        <p:nvPr/>
+      </p:nvGrpSpPr>
+      <p:grpSpPr>
+        <a:xfrm>
+          <a:off x="0" y="0"/>
+          <a:ext cx="0" cy="0"/>
+          <a:chOff x="0" y="0"/>
+          <a:chExt cx="0" cy="0"/>
+        </a:xfrm>
+      </p:grpSpPr>
+      <p:sp>
+        <p:nvSpPr>
+          <p:cNvPr id="2" name="Title 1"/>
+          <p:cNvSpPr>
+            <a:spLocks noGrp="1"/>
+          </p:cNvSpPr>
+          <p:nvPr>
+            <p:ph type="title"/>
+          </p:nvPr>
+        </p:nvSpPr>
+        <p:spPr/>
+        <p:txBody>
+          <a:bodyPr/>
+          <a:lstStyle/>
+          <a:p>
+            <a:r>
+              <a:rPr lang="en-US" dirty="0" smtClean="0"/>
+              <a:t>Mocking</a:t>
+            </a:r>
+            <a:endParaRPr lang="en-US" dirty="0"/>
+          </a:p>
+        </p:txBody>
+      </p:sp>
+      <p:sp>
+        <p:nvSpPr>
+          <p:cNvPr id="3" name="Content Placeholder 2"/>
+          <p:cNvSpPr>
+            <a:spLocks noGrp="1"/>
+          </p:cNvSpPr>
+          <p:nvPr>
+            <p:ph idx="1"/>
+          </p:nvPr>
+        </p:nvSpPr>
+        <p:spPr/>
+        <p:txBody>
+          <a:bodyPr anchor="ctr"/>
+          <a:lstStyle/>
+          <a:p>
+            <a:pPr marL="0" indent="0" algn="ctr">
+              <a:buNone/>
+            </a:pPr>
+            <a:r>
+              <a:rPr lang="en-US" dirty="0" smtClean="0"/>
+              <a:t>Mocking is the act of describing (mandatory) interactions between the object under specification and its collaborators. </a:t>
+            </a:r>
+            <a:endParaRPr lang="en-US" dirty="0"/>
+          </a:p>
+        </p:txBody>
+      </p:sp>
+    </p:spTree>
+    <p:extLst>
+      <p:ext uri="{BB962C8B-B14F-4D97-AF65-F5344CB8AC3E}">
+        <p14:creationId xmlns:p14="http://schemas.microsoft.com/office/powerpoint/2010/main" val="946140839"/>
+      </p:ext>
+    </p:extLst>
+  </p:cSld>
+  <p:clrMapOvr>
+    <a:masterClrMapping/>
+  </p:clrMapOvr>
+  <p:timing>
+    <p:tnLst>
+      <p:par>
+        <p:cTn id="1" dur="indefinite" restart="never" nodeType="tmRoot"/>
+      </p:par>
+    </p:tnLst>
+  </p:timing>
 </p:sld>
 </file>
 

--- a/Spock presentation.pptx
+++ b/Spock presentation.pptx
@@ -11,15 +11,16 @@
     <p:sldId id="260" r:id="rId5"/>
     <p:sldId id="259" r:id="rId6"/>
     <p:sldId id="261" r:id="rId7"/>
-    <p:sldId id="262" r:id="rId8"/>
-    <p:sldId id="263" r:id="rId9"/>
-    <p:sldId id="264" r:id="rId10"/>
-    <p:sldId id="265" r:id="rId11"/>
-    <p:sldId id="266" r:id="rId12"/>
-    <p:sldId id="267" r:id="rId13"/>
-    <p:sldId id="268" r:id="rId14"/>
-    <p:sldId id="269" r:id="rId15"/>
-    <p:sldId id="270" r:id="rId16"/>
+    <p:sldId id="271" r:id="rId8"/>
+    <p:sldId id="262" r:id="rId9"/>
+    <p:sldId id="263" r:id="rId10"/>
+    <p:sldId id="264" r:id="rId11"/>
+    <p:sldId id="265" r:id="rId12"/>
+    <p:sldId id="266" r:id="rId13"/>
+    <p:sldId id="267" r:id="rId14"/>
+    <p:sldId id="268" r:id="rId15"/>
+    <p:sldId id="269" r:id="rId16"/>
+    <p:sldId id="270" r:id="rId17"/>
   </p:sldIdLst>
   <p:sldSz cx="9144000" cy="6858000" type="screen4x3"/>
   <p:notesSz cx="6858000" cy="9144000"/>
@@ -3275,6 +3276,92 @@
           <a:p>
             <a:r>
               <a:rPr lang="en-US" dirty="0" smtClean="0"/>
+              <a:t>Mocking</a:t>
+            </a:r>
+            <a:endParaRPr lang="en-US" dirty="0"/>
+          </a:p>
+        </p:txBody>
+      </p:sp>
+      <p:sp>
+        <p:nvSpPr>
+          <p:cNvPr id="3" name="Content Placeholder 2"/>
+          <p:cNvSpPr>
+            <a:spLocks noGrp="1"/>
+          </p:cNvSpPr>
+          <p:nvPr>
+            <p:ph idx="1"/>
+          </p:nvPr>
+        </p:nvSpPr>
+        <p:spPr/>
+        <p:txBody>
+          <a:bodyPr anchor="ctr"/>
+          <a:lstStyle/>
+          <a:p>
+            <a:pPr marL="0" indent="0" algn="ctr">
+              <a:buNone/>
+            </a:pPr>
+            <a:r>
+              <a:rPr lang="en-US" dirty="0" smtClean="0"/>
+              <a:t>Mocking is the act of describing (mandatory) interactions between the object under specification and its collaborators. </a:t>
+            </a:r>
+            <a:endParaRPr lang="en-US" dirty="0"/>
+          </a:p>
+        </p:txBody>
+      </p:sp>
+    </p:spTree>
+    <p:extLst>
+      <p:ext uri="{BB962C8B-B14F-4D97-AF65-F5344CB8AC3E}">
+        <p14:creationId xmlns:p14="http://schemas.microsoft.com/office/powerpoint/2010/main" val="946140839"/>
+      </p:ext>
+    </p:extLst>
+  </p:cSld>
+  <p:clrMapOvr>
+    <a:masterClrMapping/>
+  </p:clrMapOvr>
+  <p:timing>
+    <p:tnLst>
+      <p:par>
+        <p:cTn id="1" dur="indefinite" restart="never" nodeType="tmRoot"/>
+      </p:par>
+    </p:tnLst>
+  </p:timing>
+</p:sld>
+</file>
+
+<file path=ppt/slides/slide11.xml><?xml version="1.0" encoding="utf-8"?>
+<p:sld xmlns:a="http://schemas.openxmlformats.org/drawingml/2006/main" xmlns:r="http://schemas.openxmlformats.org/officeDocument/2006/relationships" xmlns:p="http://schemas.openxmlformats.org/presentationml/2006/main">
+  <p:cSld>
+    <p:spTree>
+      <p:nvGrpSpPr>
+        <p:cNvPr id="1" name=""/>
+        <p:cNvGrpSpPr/>
+        <p:nvPr/>
+      </p:nvGrpSpPr>
+      <p:grpSpPr>
+        <a:xfrm>
+          <a:off x="0" y="0"/>
+          <a:ext cx="0" cy="0"/>
+          <a:chOff x="0" y="0"/>
+          <a:chExt cx="0" cy="0"/>
+        </a:xfrm>
+      </p:grpSpPr>
+      <p:sp>
+        <p:nvSpPr>
+          <p:cNvPr id="2" name="Title 1"/>
+          <p:cNvSpPr>
+            <a:spLocks noGrp="1"/>
+          </p:cNvSpPr>
+          <p:nvPr>
+            <p:ph type="title"/>
+          </p:nvPr>
+        </p:nvSpPr>
+        <p:spPr/>
+        <p:txBody>
+          <a:bodyPr/>
+          <a:lstStyle/>
+          <a:p>
+            <a:r>
+              <a:rPr lang="en-US" dirty="0" smtClean="0"/>
               <a:t>Dependency</a:t>
             </a:r>
             <a:endParaRPr lang="en-US" dirty="0"/>
@@ -3410,7 +3497,7 @@
 </p:sld>
 </file>
 
-<file path=ppt/slides/slide11.xml><?xml version="1.0" encoding="utf-8"?>
+<file path=ppt/slides/slide12.xml><?xml version="1.0" encoding="utf-8"?>
 <p:sld xmlns:a="http://schemas.openxmlformats.org/drawingml/2006/main" xmlns:r="http://schemas.openxmlformats.org/officeDocument/2006/relationships" xmlns:p="http://schemas.openxmlformats.org/presentationml/2006/main">
   <p:cSld>
     <p:spTree>
@@ -3526,7 +3613,7 @@
 </p:sld>
 </file>
 
-<file path=ppt/slides/slide12.xml><?xml version="1.0" encoding="utf-8"?>
+<file path=ppt/slides/slide13.xml><?xml version="1.0" encoding="utf-8"?>
 <p:sld xmlns:a="http://schemas.openxmlformats.org/drawingml/2006/main" xmlns:r="http://schemas.openxmlformats.org/officeDocument/2006/relationships" xmlns:p="http://schemas.openxmlformats.org/presentationml/2006/main">
   <p:cSld>
     <p:spTree>
@@ -3644,7 +3731,7 @@
 </p:sld>
 </file>
 
-<file path=ppt/slides/slide13.xml><?xml version="1.0" encoding="utf-8"?>
+<file path=ppt/slides/slide14.xml><?xml version="1.0" encoding="utf-8"?>
 <p:sld xmlns:a="http://schemas.openxmlformats.org/drawingml/2006/main" xmlns:r="http://schemas.openxmlformats.org/officeDocument/2006/relationships" xmlns:p="http://schemas.openxmlformats.org/presentationml/2006/main">
   <p:cSld>
     <p:spTree>
@@ -3742,7 +3829,7 @@
 </p:sld>
 </file>
 
-<file path=ppt/slides/slide14.xml><?xml version="1.0" encoding="utf-8"?>
+<file path=ppt/slides/slide15.xml><?xml version="1.0" encoding="utf-8"?>
 <p:sld xmlns:a="http://schemas.openxmlformats.org/drawingml/2006/main" xmlns:r="http://schemas.openxmlformats.org/officeDocument/2006/relationships" xmlns:p="http://schemas.openxmlformats.org/presentationml/2006/main">
   <p:cSld>
     <p:spTree>
@@ -3858,7 +3945,7 @@
 </p:sld>
 </file>
 
-<file path=ppt/slides/slide15.xml><?xml version="1.0" encoding="utf-8"?>
+<file path=ppt/slides/slide16.xml><?xml version="1.0" encoding="utf-8"?>
 <p:sld xmlns:a="http://schemas.openxmlformats.org/drawingml/2006/main" xmlns:r="http://schemas.openxmlformats.org/officeDocument/2006/relationships" xmlns:p="http://schemas.openxmlformats.org/presentationml/2006/main">
   <p:cSld>
     <p:spTree>
@@ -4889,6 +4976,78 @@
           <a:lstStyle/>
           <a:p>
             <a:r>
+              <a:rPr lang="en-US" smtClean="0"/>
+              <a:t>blocks</a:t>
+            </a:r>
+            <a:endParaRPr lang="en-US"/>
+          </a:p>
+        </p:txBody>
+      </p:sp>
+      <p:sp>
+        <p:nvSpPr>
+          <p:cNvPr id="3" name="Content Placeholder 2"/>
+          <p:cNvSpPr>
+            <a:spLocks noGrp="1"/>
+          </p:cNvSpPr>
+          <p:nvPr>
+            <p:ph idx="1"/>
+          </p:nvPr>
+        </p:nvSpPr>
+        <p:spPr/>
+        <p:txBody>
+          <a:bodyPr/>
+          <a:lstStyle/>
+          <a:p>
+            <a:endParaRPr lang="en-US"/>
+          </a:p>
+        </p:txBody>
+      </p:sp>
+    </p:spTree>
+    <p:extLst>
+      <p:ext uri="{BB962C8B-B14F-4D97-AF65-F5344CB8AC3E}">
+        <p14:creationId xmlns:p14="http://schemas.microsoft.com/office/powerpoint/2010/main" val="2486879652"/>
+      </p:ext>
+    </p:extLst>
+  </p:cSld>
+  <p:clrMapOvr>
+    <a:masterClrMapping/>
+  </p:clrMapOvr>
+</p:sld>
+</file>
+
+<file path=ppt/slides/slide8.xml><?xml version="1.0" encoding="utf-8"?>
+<p:sld xmlns:a="http://schemas.openxmlformats.org/drawingml/2006/main" xmlns:r="http://schemas.openxmlformats.org/officeDocument/2006/relationships" xmlns:p="http://schemas.openxmlformats.org/presentationml/2006/main">
+  <p:cSld>
+    <p:spTree>
+      <p:nvGrpSpPr>
+        <p:cNvPr id="1" name=""/>
+        <p:cNvGrpSpPr/>
+        <p:nvPr/>
+      </p:nvGrpSpPr>
+      <p:grpSpPr>
+        <a:xfrm>
+          <a:off x="0" y="0"/>
+          <a:ext cx="0" cy="0"/>
+          <a:chOff x="0" y="0"/>
+          <a:chExt cx="0" cy="0"/>
+        </a:xfrm>
+      </p:grpSpPr>
+      <p:sp>
+        <p:nvSpPr>
+          <p:cNvPr id="2" name="Title 1"/>
+          <p:cNvSpPr>
+            <a:spLocks noGrp="1"/>
+          </p:cNvSpPr>
+          <p:nvPr>
+            <p:ph type="title"/>
+          </p:nvPr>
+        </p:nvSpPr>
+        <p:spPr/>
+        <p:txBody>
+          <a:bodyPr/>
+          <a:lstStyle/>
+          <a:p>
+            <a:r>
               <a:rPr lang="en-US" dirty="0" smtClean="0"/>
               <a:t>Test failed? See the output </a:t>
             </a:r>
@@ -4972,7 +5131,7 @@
 </p:sld>
 </file>
 
-<file path=ppt/slides/slide8.xml><?xml version="1.0" encoding="utf-8"?>
+<file path=ppt/slides/slide9.xml><?xml version="1.0" encoding="utf-8"?>
 <p:sld xmlns:a="http://schemas.openxmlformats.org/drawingml/2006/main" xmlns:r="http://schemas.openxmlformats.org/officeDocument/2006/relationships" xmlns:p="http://schemas.openxmlformats.org/presentationml/2006/main">
   <p:cSld>
     <p:spTree>
@@ -5081,92 +5240,6 @@
     <p:extLst>
       <p:ext uri="{BB962C8B-B14F-4D97-AF65-F5344CB8AC3E}">
         <p14:creationId xmlns:p14="http://schemas.microsoft.com/office/powerpoint/2010/main" val="1070685999"/>
-      </p:ext>
-    </p:extLst>
-  </p:cSld>
-  <p:clrMapOvr>
-    <a:masterClrMapping/>
-  </p:clrMapOvr>
-  <p:timing>
-    <p:tnLst>
-      <p:par>
-        <p:cTn id="1" dur="indefinite" restart="never" nodeType="tmRoot"/>
-      </p:par>
-    </p:tnLst>
-  </p:timing>
-</p:sld>
-</file>
-
-<file path=ppt/slides/slide9.xml><?xml version="1.0" encoding="utf-8"?>
-<p:sld xmlns:a="http://schemas.openxmlformats.org/drawingml/2006/main" xmlns:r="http://schemas.openxmlformats.org/officeDocument/2006/relationships" xmlns:p="http://schemas.openxmlformats.org/presentationml/2006/main">
-  <p:cSld>
-    <p:spTree>
-      <p:nvGrpSpPr>
-        <p:cNvPr id="1" name=""/>
-        <p:cNvGrpSpPr/>
-        <p:nvPr/>
-      </p:nvGrpSpPr>
-      <p:grpSpPr>
-        <a:xfrm>
-          <a:off x="0" y="0"/>
-          <a:ext cx="0" cy="0"/>
-          <a:chOff x="0" y="0"/>
-          <a:chExt cx="0" cy="0"/>
-        </a:xfrm>
-      </p:grpSpPr>
-      <p:sp>
-        <p:nvSpPr>
-          <p:cNvPr id="2" name="Title 1"/>
-          <p:cNvSpPr>
-            <a:spLocks noGrp="1"/>
-          </p:cNvSpPr>
-          <p:nvPr>
-            <p:ph type="title"/>
-          </p:nvPr>
-        </p:nvSpPr>
-        <p:spPr/>
-        <p:txBody>
-          <a:bodyPr/>
-          <a:lstStyle/>
-          <a:p>
-            <a:r>
-              <a:rPr lang="en-US" dirty="0" smtClean="0"/>
-              <a:t>Mocking</a:t>
-            </a:r>
-            <a:endParaRPr lang="en-US" dirty="0"/>
-          </a:p>
-        </p:txBody>
-      </p:sp>
-      <p:sp>
-        <p:nvSpPr>
-          <p:cNvPr id="3" name="Content Placeholder 2"/>
-          <p:cNvSpPr>
-            <a:spLocks noGrp="1"/>
-          </p:cNvSpPr>
-          <p:nvPr>
-            <p:ph idx="1"/>
-          </p:nvPr>
-        </p:nvSpPr>
-        <p:spPr/>
-        <p:txBody>
-          <a:bodyPr anchor="ctr"/>
-          <a:lstStyle/>
-          <a:p>
-            <a:pPr marL="0" indent="0" algn="ctr">
-              <a:buNone/>
-            </a:pPr>
-            <a:r>
-              <a:rPr lang="en-US" dirty="0" smtClean="0"/>
-              <a:t>Mocking is the act of describing (mandatory) interactions between the object under specification and its collaborators. </a:t>
-            </a:r>
-            <a:endParaRPr lang="en-US" dirty="0"/>
-          </a:p>
-        </p:txBody>
-      </p:sp>
-    </p:spTree>
-    <p:extLst>
-      <p:ext uri="{BB962C8B-B14F-4D97-AF65-F5344CB8AC3E}">
-        <p14:creationId xmlns:p14="http://schemas.microsoft.com/office/powerpoint/2010/main" val="946140839"/>
       </p:ext>
     </p:extLst>
   </p:cSld>

--- a/Spock presentation.pptx
+++ b/Spock presentation.pptx
@@ -21,6 +21,7 @@
     <p:sldId id="268" r:id="rId15"/>
     <p:sldId id="269" r:id="rId16"/>
     <p:sldId id="270" r:id="rId17"/>
+    <p:sldId id="272" r:id="rId18"/>
   </p:sldIdLst>
   <p:sldSz cx="9144000" cy="6858000" type="screen4x3"/>
   <p:notesSz cx="6858000" cy="9144000"/>
@@ -303,7 +304,7 @@
           <a:p>
             <a:fld id="{8037FE19-1D4C-448B-9B4B-3E7C8BF3908D}" type="datetimeFigureOut">
               <a:rPr lang="en-US" smtClean="0"/>
-              <a:t>9/6/2015</a:t>
+              <a:t>9/7/2015</a:t>
             </a:fld>
             <a:endParaRPr lang="en-US"/>
           </a:p>
@@ -473,7 +474,7 @@
           <a:p>
             <a:fld id="{8037FE19-1D4C-448B-9B4B-3E7C8BF3908D}" type="datetimeFigureOut">
               <a:rPr lang="en-US" smtClean="0"/>
-              <a:t>9/6/2015</a:t>
+              <a:t>9/7/2015</a:t>
             </a:fld>
             <a:endParaRPr lang="en-US"/>
           </a:p>
@@ -653,7 +654,7 @@
           <a:p>
             <a:fld id="{8037FE19-1D4C-448B-9B4B-3E7C8BF3908D}" type="datetimeFigureOut">
               <a:rPr lang="en-US" smtClean="0"/>
-              <a:t>9/6/2015</a:t>
+              <a:t>9/7/2015</a:t>
             </a:fld>
             <a:endParaRPr lang="en-US"/>
           </a:p>
@@ -823,7 +824,7 @@
           <a:p>
             <a:fld id="{8037FE19-1D4C-448B-9B4B-3E7C8BF3908D}" type="datetimeFigureOut">
               <a:rPr lang="en-US" smtClean="0"/>
-              <a:t>9/6/2015</a:t>
+              <a:t>9/7/2015</a:t>
             </a:fld>
             <a:endParaRPr lang="en-US"/>
           </a:p>
@@ -1069,7 +1070,7 @@
           <a:p>
             <a:fld id="{8037FE19-1D4C-448B-9B4B-3E7C8BF3908D}" type="datetimeFigureOut">
               <a:rPr lang="en-US" smtClean="0"/>
-              <a:t>9/6/2015</a:t>
+              <a:t>9/7/2015</a:t>
             </a:fld>
             <a:endParaRPr lang="en-US"/>
           </a:p>
@@ -1357,7 +1358,7 @@
           <a:p>
             <a:fld id="{8037FE19-1D4C-448B-9B4B-3E7C8BF3908D}" type="datetimeFigureOut">
               <a:rPr lang="en-US" smtClean="0"/>
-              <a:t>9/6/2015</a:t>
+              <a:t>9/7/2015</a:t>
             </a:fld>
             <a:endParaRPr lang="en-US"/>
           </a:p>
@@ -1779,7 +1780,7 @@
           <a:p>
             <a:fld id="{8037FE19-1D4C-448B-9B4B-3E7C8BF3908D}" type="datetimeFigureOut">
               <a:rPr lang="en-US" smtClean="0"/>
-              <a:t>9/6/2015</a:t>
+              <a:t>9/7/2015</a:t>
             </a:fld>
             <a:endParaRPr lang="en-US"/>
           </a:p>
@@ -1897,7 +1898,7 @@
           <a:p>
             <a:fld id="{8037FE19-1D4C-448B-9B4B-3E7C8BF3908D}" type="datetimeFigureOut">
               <a:rPr lang="en-US" smtClean="0"/>
-              <a:t>9/6/2015</a:t>
+              <a:t>9/7/2015</a:t>
             </a:fld>
             <a:endParaRPr lang="en-US"/>
           </a:p>
@@ -1992,7 +1993,7 @@
           <a:p>
             <a:fld id="{8037FE19-1D4C-448B-9B4B-3E7C8BF3908D}" type="datetimeFigureOut">
               <a:rPr lang="en-US" smtClean="0"/>
-              <a:t>9/6/2015</a:t>
+              <a:t>9/7/2015</a:t>
             </a:fld>
             <a:endParaRPr lang="en-US"/>
           </a:p>
@@ -2269,7 +2270,7 @@
           <a:p>
             <a:fld id="{8037FE19-1D4C-448B-9B4B-3E7C8BF3908D}" type="datetimeFigureOut">
               <a:rPr lang="en-US" smtClean="0"/>
-              <a:t>9/6/2015</a:t>
+              <a:t>9/7/2015</a:t>
             </a:fld>
             <a:endParaRPr lang="en-US"/>
           </a:p>
@@ -2522,7 +2523,7 @@
           <a:p>
             <a:fld id="{8037FE19-1D4C-448B-9B4B-3E7C8BF3908D}" type="datetimeFigureOut">
               <a:rPr lang="en-US" smtClean="0"/>
-              <a:t>9/6/2015</a:t>
+              <a:t>9/7/2015</a:t>
             </a:fld>
             <a:endParaRPr lang="en-US"/>
           </a:p>
@@ -2735,7 +2736,7 @@
           <a:p>
             <a:fld id="{8037FE19-1D4C-448B-9B4B-3E7C8BF3908D}" type="datetimeFigureOut">
               <a:rPr lang="en-US" smtClean="0"/>
-              <a:t>9/6/2015</a:t>
+              <a:t>9/7/2015</a:t>
             </a:fld>
             <a:endParaRPr lang="en-US"/>
           </a:p>
@@ -4107,6 +4108,115 @@
 </p:sld>
 </file>
 
+<file path=ppt/slides/slide17.xml><?xml version="1.0" encoding="utf-8"?>
+<p:sld xmlns:a="http://schemas.openxmlformats.org/drawingml/2006/main" xmlns:r="http://schemas.openxmlformats.org/officeDocument/2006/relationships" xmlns:p="http://schemas.openxmlformats.org/presentationml/2006/main">
+  <p:cSld>
+    <p:spTree>
+      <p:nvGrpSpPr>
+        <p:cNvPr id="1" name=""/>
+        <p:cNvGrpSpPr/>
+        <p:nvPr/>
+      </p:nvGrpSpPr>
+      <p:grpSpPr>
+        <a:xfrm>
+          <a:off x="0" y="0"/>
+          <a:ext cx="0" cy="0"/>
+          <a:chOff x="0" y="0"/>
+          <a:chExt cx="0" cy="0"/>
+        </a:xfrm>
+      </p:grpSpPr>
+      <p:sp>
+        <p:nvSpPr>
+          <p:cNvPr id="2" name="Title 1"/>
+          <p:cNvSpPr>
+            <a:spLocks noGrp="1"/>
+          </p:cNvSpPr>
+          <p:nvPr>
+            <p:ph type="title"/>
+          </p:nvPr>
+        </p:nvSpPr>
+        <p:spPr/>
+        <p:txBody>
+          <a:bodyPr/>
+          <a:lstStyle/>
+          <a:p>
+            <a:r>
+              <a:rPr lang="en-US" dirty="0" smtClean="0"/>
+              <a:t>Example</a:t>
+            </a:r>
+            <a:endParaRPr lang="en-US" dirty="0"/>
+          </a:p>
+        </p:txBody>
+      </p:sp>
+      <p:pic>
+        <p:nvPicPr>
+          <p:cNvPr id="2050" name="Picture 2"/>
+          <p:cNvPicPr>
+            <a:picLocks noGrp="1" noChangeAspect="1" noChangeArrowheads="1"/>
+          </p:cNvPicPr>
+          <p:nvPr>
+            <p:ph idx="1"/>
+          </p:nvPr>
+        </p:nvPicPr>
+        <p:blipFill>
+          <a:blip r:embed="rId2">
+            <a:extLst>
+              <a:ext uri="{28A0092B-C50C-407E-A947-70E740481C1C}">
+                <a14:useLocalDpi xmlns:a14="http://schemas.microsoft.com/office/drawing/2010/main" val="0"/>
+              </a:ext>
+            </a:extLst>
+          </a:blip>
+          <a:srcRect/>
+          <a:stretch>
+            <a:fillRect/>
+          </a:stretch>
+        </p:blipFill>
+        <p:spPr bwMode="auto">
+          <a:xfrm>
+            <a:off x="838200" y="1524000"/>
+            <a:ext cx="7558586" cy="3667919"/>
+          </a:xfrm>
+          <a:prstGeom prst="rect">
+            <a:avLst/>
+          </a:prstGeom>
+          <a:noFill/>
+          <a:ln>
+            <a:noFill/>
+          </a:ln>
+          <a:extLst>
+            <a:ext uri="{909E8E84-426E-40DD-AFC4-6F175D3DCCD1}">
+              <a14:hiddenFill xmlns:a14="http://schemas.microsoft.com/office/drawing/2010/main">
+                <a:solidFill>
+                  <a:schemeClr val="accent1"/>
+                </a:solidFill>
+              </a14:hiddenFill>
+            </a:ext>
+            <a:ext uri="{91240B29-F687-4F45-9708-019B960494DF}">
+              <a14:hiddenLine xmlns:a14="http://schemas.microsoft.com/office/drawing/2010/main" w="9525">
+                <a:solidFill>
+                  <a:schemeClr val="tx1"/>
+                </a:solidFill>
+                <a:miter lim="800000"/>
+                <a:headEnd/>
+                <a:tailEnd/>
+              </a14:hiddenLine>
+            </a:ext>
+          </a:extLst>
+        </p:spPr>
+      </p:pic>
+    </p:spTree>
+    <p:extLst>
+      <p:ext uri="{BB962C8B-B14F-4D97-AF65-F5344CB8AC3E}">
+        <p14:creationId xmlns:p14="http://schemas.microsoft.com/office/powerpoint/2010/main" val="1706005781"/>
+      </p:ext>
+    </p:extLst>
+  </p:cSld>
+  <p:clrMapOvr>
+    <a:masterClrMapping/>
+  </p:clrMapOvr>
+</p:sld>
+</file>
+
 <file path=ppt/slides/slide2.xml><?xml version="1.0" encoding="utf-8"?>
 <p:sld xmlns:a="http://schemas.openxmlformats.org/drawingml/2006/main" xmlns:r="http://schemas.openxmlformats.org/officeDocument/2006/relationships" xmlns:p="http://schemas.openxmlformats.org/presentationml/2006/main">
   <p:cSld>
@@ -4167,8 +4277,8 @@
               <a:t>Build in mechanism for mocking and </a:t>
             </a:r>
             <a:r>
-              <a:rPr lang="en-US" dirty="0" err="1" smtClean="0"/>
-              <a:t>stubing</a:t>
+              <a:rPr lang="en-US" dirty="0" smtClean="0"/>
+              <a:t>stubbing</a:t>
             </a:r>
             <a:endParaRPr lang="en-US" dirty="0" smtClean="0"/>
           </a:p>
@@ -4459,14 +4569,14 @@
             <p:ph idx="1"/>
             <p:extLst>
               <p:ext uri="{D42A27DB-BD31-4B8C-83A1-F6EECF244321}">
-                <p14:modId xmlns:p14="http://schemas.microsoft.com/office/powerpoint/2010/main" val="1653654631"/>
+                <p14:modId xmlns:p14="http://schemas.microsoft.com/office/powerpoint/2010/main" val="2078601859"/>
               </p:ext>
             </p:extLst>
           </p:nvPr>
         </p:nvGraphicFramePr>
         <p:xfrm>
           <a:off x="457200" y="1600200"/>
-          <a:ext cx="8229600" cy="2225040"/>
+          <a:ext cx="8229600" cy="2966720"/>
         </p:xfrm>
         <a:graphic>
           <a:graphicData uri="http://schemas.openxmlformats.org/drawingml/2006/table">
@@ -4533,6 +4643,82 @@
                       <a:r>
                         <a:rPr lang="en-US" dirty="0" smtClean="0"/>
                         <a:t>Specification</a:t>
+                      </a:r>
+                      <a:endParaRPr lang="en-US" dirty="0"/>
+                    </a:p>
+                  </a:txBody>
+                  <a:tcPr/>
+                </a:tc>
+              </a:tr>
+              <a:tr h="370840">
+                <a:tc>
+                  <a:txBody>
+                    <a:bodyPr/>
+                    <a:lstStyle/>
+                    <a:p>
+                      <a:r>
+                        <a:rPr lang="en-US" dirty="0" smtClean="0"/>
+                        <a:t>@</a:t>
+                      </a:r>
+                      <a:r>
+                        <a:rPr lang="en-US" dirty="0" err="1" smtClean="0"/>
+                        <a:t>BeforeClass</a:t>
+                      </a:r>
+                      <a:endParaRPr lang="en-US" dirty="0"/>
+                    </a:p>
+                  </a:txBody>
+                  <a:tcPr/>
+                </a:tc>
+                <a:tc>
+                  <a:txBody>
+                    <a:bodyPr/>
+                    <a:lstStyle/>
+                    <a:p>
+                      <a:r>
+                        <a:rPr lang="en-US" dirty="0" err="1" smtClean="0"/>
+                        <a:t>setupSpec</a:t>
+                      </a:r>
+                      <a:r>
+                        <a:rPr lang="en-US" dirty="0" smtClean="0"/>
+                        <a:t>()</a:t>
+                      </a:r>
+                      <a:endParaRPr lang="en-US" dirty="0"/>
+                    </a:p>
+                  </a:txBody>
+                  <a:tcPr/>
+                </a:tc>
+              </a:tr>
+              <a:tr h="370840">
+                <a:tc>
+                  <a:txBody>
+                    <a:bodyPr/>
+                    <a:lstStyle/>
+                    <a:p>
+                      <a:r>
+                        <a:rPr lang="en-US" dirty="0" smtClean="0"/>
+                        <a:t>@</a:t>
+                      </a:r>
+                      <a:r>
+                        <a:rPr lang="en-US" dirty="0" err="1" smtClean="0"/>
+                        <a:t>AfterClass</a:t>
+                      </a:r>
+                      <a:endParaRPr lang="en-US" dirty="0"/>
+                    </a:p>
+                  </a:txBody>
+                  <a:tcPr/>
+                </a:tc>
+                <a:tc>
+                  <a:txBody>
+                    <a:bodyPr/>
+                    <a:lstStyle/>
+                    <a:p>
+                      <a:r>
+                        <a:rPr lang="en-US" dirty="0" err="1" smtClean="0"/>
+                        <a:t>cleanupSpec</a:t>
+                      </a:r>
+                      <a:r>
+                        <a:rPr lang="en-US" dirty="0" smtClean="0"/>
+                        <a:t>()</a:t>
                       </a:r>
                       <a:endParaRPr lang="en-US" dirty="0"/>
                     </a:p>
@@ -4976,10 +5162,14 @@
           <a:lstStyle/>
           <a:p>
             <a:r>
-              <a:rPr lang="en-US" smtClean="0"/>
-              <a:t>blocks</a:t>
-            </a:r>
-            <a:endParaRPr lang="en-US"/>
+              <a:rPr lang="en-US" dirty="0"/>
+              <a:t>B</a:t>
+            </a:r>
+            <a:r>
+              <a:rPr lang="en-US" dirty="0" smtClean="0"/>
+              <a:t>locks</a:t>
+            </a:r>
+            <a:endParaRPr lang="en-US" dirty="0"/>
           </a:p>
         </p:txBody>
       </p:sp>
@@ -4998,10 +5188,51 @@
           <a:bodyPr/>
           <a:lstStyle/>
           <a:p>
-            <a:endParaRPr lang="en-US"/>
-          </a:p>
-        </p:txBody>
-      </p:sp>
+            <a:endParaRPr lang="en-US" dirty="0"/>
+          </a:p>
+        </p:txBody>
+      </p:sp>
+      <p:pic>
+        <p:nvPicPr>
+          <p:cNvPr id="1026" name="Picture 2" descr="C:\workspace\Blocks2Phases.png"/>
+          <p:cNvPicPr>
+            <a:picLocks noChangeAspect="1" noChangeArrowheads="1"/>
+          </p:cNvPicPr>
+          <p:nvPr/>
+        </p:nvPicPr>
+        <p:blipFill>
+          <a:blip r:embed="rId2">
+            <a:extLst>
+              <a:ext uri="{28A0092B-C50C-407E-A947-70E740481C1C}">
+                <a14:useLocalDpi xmlns:a14="http://schemas.microsoft.com/office/drawing/2010/main" val="0"/>
+              </a:ext>
+            </a:extLst>
+          </a:blip>
+          <a:srcRect/>
+          <a:stretch>
+            <a:fillRect/>
+          </a:stretch>
+        </p:blipFill>
+        <p:spPr bwMode="auto">
+          <a:xfrm>
+            <a:off x="2209800" y="1411437"/>
+            <a:ext cx="5029200" cy="4295457"/>
+          </a:xfrm>
+          <a:prstGeom prst="rect">
+            <a:avLst/>
+          </a:prstGeom>
+          <a:noFill/>
+          <a:extLst>
+            <a:ext uri="{909E8E84-426E-40DD-AFC4-6F175D3DCCD1}">
+              <a14:hiddenFill xmlns:a14="http://schemas.microsoft.com/office/drawing/2010/main">
+                <a:solidFill>
+                  <a:srgbClr val="FFFFFF"/>
+                </a:solidFill>
+              </a14:hiddenFill>
+            </a:ext>
+          </a:extLst>
+        </p:spPr>
+      </p:pic>
     </p:spTree>
     <p:extLst>
       <p:ext uri="{BB962C8B-B14F-4D97-AF65-F5344CB8AC3E}">
@@ -5012,6 +5243,13 @@
   <p:clrMapOvr>
     <a:masterClrMapping/>
   </p:clrMapOvr>
+  <p:timing>
+    <p:tnLst>
+      <p:par>
+        <p:cTn id="1" dur="indefinite" restart="never" nodeType="tmRoot"/>
+      </p:par>
+    </p:tnLst>
+  </p:timing>
 </p:sld>
 </file>
 

--- a/Spock presentation.pptx
+++ b/Spock presentation.pptx
@@ -22,6 +22,7 @@
     <p:sldId id="269" r:id="rId16"/>
     <p:sldId id="270" r:id="rId17"/>
     <p:sldId id="272" r:id="rId18"/>
+    <p:sldId id="273" r:id="rId19"/>
   </p:sldIdLst>
   <p:sldSz cx="9144000" cy="6858000" type="screen4x3"/>
   <p:notesSz cx="6858000" cy="9144000"/>
@@ -304,7 +305,7 @@
           <a:p>
             <a:fld id="{8037FE19-1D4C-448B-9B4B-3E7C8BF3908D}" type="datetimeFigureOut">
               <a:rPr lang="en-US" smtClean="0"/>
-              <a:t>9/7/2015</a:t>
+              <a:t>9/11/2015</a:t>
             </a:fld>
             <a:endParaRPr lang="en-US"/>
           </a:p>
@@ -474,7 +475,7 @@
           <a:p>
             <a:fld id="{8037FE19-1D4C-448B-9B4B-3E7C8BF3908D}" type="datetimeFigureOut">
               <a:rPr lang="en-US" smtClean="0"/>
-              <a:t>9/7/2015</a:t>
+              <a:t>9/11/2015</a:t>
             </a:fld>
             <a:endParaRPr lang="en-US"/>
           </a:p>
@@ -654,7 +655,7 @@
           <a:p>
             <a:fld id="{8037FE19-1D4C-448B-9B4B-3E7C8BF3908D}" type="datetimeFigureOut">
               <a:rPr lang="en-US" smtClean="0"/>
-              <a:t>9/7/2015</a:t>
+              <a:t>9/11/2015</a:t>
             </a:fld>
             <a:endParaRPr lang="en-US"/>
           </a:p>
@@ -824,7 +825,7 @@
           <a:p>
             <a:fld id="{8037FE19-1D4C-448B-9B4B-3E7C8BF3908D}" type="datetimeFigureOut">
               <a:rPr lang="en-US" smtClean="0"/>
-              <a:t>9/7/2015</a:t>
+              <a:t>9/11/2015</a:t>
             </a:fld>
             <a:endParaRPr lang="en-US"/>
           </a:p>
@@ -1070,7 +1071,7 @@
           <a:p>
             <a:fld id="{8037FE19-1D4C-448B-9B4B-3E7C8BF3908D}" type="datetimeFigureOut">
               <a:rPr lang="en-US" smtClean="0"/>
-              <a:t>9/7/2015</a:t>
+              <a:t>9/11/2015</a:t>
             </a:fld>
             <a:endParaRPr lang="en-US"/>
           </a:p>
@@ -1358,7 +1359,7 @@
           <a:p>
             <a:fld id="{8037FE19-1D4C-448B-9B4B-3E7C8BF3908D}" type="datetimeFigureOut">
               <a:rPr lang="en-US" smtClean="0"/>
-              <a:t>9/7/2015</a:t>
+              <a:t>9/11/2015</a:t>
             </a:fld>
             <a:endParaRPr lang="en-US"/>
           </a:p>
@@ -1780,7 +1781,7 @@
           <a:p>
             <a:fld id="{8037FE19-1D4C-448B-9B4B-3E7C8BF3908D}" type="datetimeFigureOut">
               <a:rPr lang="en-US" smtClean="0"/>
-              <a:t>9/7/2015</a:t>
+              <a:t>9/11/2015</a:t>
             </a:fld>
             <a:endParaRPr lang="en-US"/>
           </a:p>
@@ -1898,7 +1899,7 @@
           <a:p>
             <a:fld id="{8037FE19-1D4C-448B-9B4B-3E7C8BF3908D}" type="datetimeFigureOut">
               <a:rPr lang="en-US" smtClean="0"/>
-              <a:t>9/7/2015</a:t>
+              <a:t>9/11/2015</a:t>
             </a:fld>
             <a:endParaRPr lang="en-US"/>
           </a:p>
@@ -1993,7 +1994,7 @@
           <a:p>
             <a:fld id="{8037FE19-1D4C-448B-9B4B-3E7C8BF3908D}" type="datetimeFigureOut">
               <a:rPr lang="en-US" smtClean="0"/>
-              <a:t>9/7/2015</a:t>
+              <a:t>9/11/2015</a:t>
             </a:fld>
             <a:endParaRPr lang="en-US"/>
           </a:p>
@@ -2270,7 +2271,7 @@
           <a:p>
             <a:fld id="{8037FE19-1D4C-448B-9B4B-3E7C8BF3908D}" type="datetimeFigureOut">
               <a:rPr lang="en-US" smtClean="0"/>
-              <a:t>9/7/2015</a:t>
+              <a:t>9/11/2015</a:t>
             </a:fld>
             <a:endParaRPr lang="en-US"/>
           </a:p>
@@ -2523,7 +2524,7 @@
           <a:p>
             <a:fld id="{8037FE19-1D4C-448B-9B4B-3E7C8BF3908D}" type="datetimeFigureOut">
               <a:rPr lang="en-US" smtClean="0"/>
-              <a:t>9/7/2015</a:t>
+              <a:t>9/11/2015</a:t>
             </a:fld>
             <a:endParaRPr lang="en-US"/>
           </a:p>
@@ -2736,7 +2737,7 @@
           <a:p>
             <a:fld id="{8037FE19-1D4C-448B-9B4B-3E7C8BF3908D}" type="datetimeFigureOut">
               <a:rPr lang="en-US" smtClean="0"/>
-              <a:t>9/7/2015</a:t>
+              <a:t>9/11/2015</a:t>
             </a:fld>
             <a:endParaRPr lang="en-US"/>
           </a:p>
@@ -4105,6 +4106,13 @@
   <p:clrMapOvr>
     <a:masterClrMapping/>
   </p:clrMapOvr>
+  <p:timing>
+    <p:tnLst>
+      <p:par>
+        <p:cTn id="1" dur="indefinite" restart="never" nodeType="tmRoot"/>
+      </p:par>
+    </p:tnLst>
+  </p:timing>
 </p:sld>
 </file>
 
@@ -4214,6 +4222,141 @@
   <p:clrMapOvr>
     <a:masterClrMapping/>
   </p:clrMapOvr>
+  <p:timing>
+    <p:tnLst>
+      <p:par>
+        <p:cTn id="1" dur="indefinite" restart="never" nodeType="tmRoot"/>
+      </p:par>
+    </p:tnLst>
+  </p:timing>
+</p:sld>
+</file>
+
+<file path=ppt/slides/slide18.xml><?xml version="1.0" encoding="utf-8"?>
+<p:sld xmlns:a="http://schemas.openxmlformats.org/drawingml/2006/main" xmlns:r="http://schemas.openxmlformats.org/officeDocument/2006/relationships" xmlns:p="http://schemas.openxmlformats.org/presentationml/2006/main">
+  <p:cSld>
+    <p:spTree>
+      <p:nvGrpSpPr>
+        <p:cNvPr id="1" name=""/>
+        <p:cNvGrpSpPr/>
+        <p:nvPr/>
+      </p:nvGrpSpPr>
+      <p:grpSpPr>
+        <a:xfrm>
+          <a:off x="0" y="0"/>
+          <a:ext cx="0" cy="0"/>
+          <a:chOff x="0" y="0"/>
+          <a:chExt cx="0" cy="0"/>
+        </a:xfrm>
+      </p:grpSpPr>
+      <p:sp>
+        <p:nvSpPr>
+          <p:cNvPr id="2" name="Title 1"/>
+          <p:cNvSpPr>
+            <a:spLocks noGrp="1"/>
+          </p:cNvSpPr>
+          <p:nvPr>
+            <p:ph type="title"/>
+          </p:nvPr>
+        </p:nvSpPr>
+        <p:spPr/>
+        <p:txBody>
+          <a:bodyPr/>
+          <a:lstStyle/>
+          <a:p>
+            <a:r>
+              <a:rPr lang="en-US" dirty="0" smtClean="0"/>
+              <a:t>Reference</a:t>
+            </a:r>
+            <a:endParaRPr lang="en-US" dirty="0"/>
+          </a:p>
+        </p:txBody>
+      </p:sp>
+      <p:sp>
+        <p:nvSpPr>
+          <p:cNvPr id="3" name="Content Placeholder 2"/>
+          <p:cNvSpPr>
+            <a:spLocks noGrp="1"/>
+          </p:cNvSpPr>
+          <p:nvPr>
+            <p:ph idx="1"/>
+          </p:nvPr>
+        </p:nvSpPr>
+        <p:spPr/>
+        <p:txBody>
+          <a:bodyPr/>
+          <a:lstStyle/>
+          <a:p>
+            <a:r>
+              <a:rPr lang="en-US" dirty="0">
+                <a:hlinkClick r:id="rId2"/>
+              </a:rPr>
+              <a:t>https://</a:t>
+            </a:r>
+            <a:r>
+              <a:rPr lang="en-US" dirty="0" smtClean="0">
+                <a:hlinkClick r:id="rId2"/>
+              </a:rPr>
+              <a:t>github.com/spockframework</a:t>
+            </a:r>
+            <a:endParaRPr lang="en-US" dirty="0" smtClean="0"/>
+          </a:p>
+          <a:p>
+            <a:r>
+              <a:rPr lang="en-US" dirty="0">
+                <a:hlinkClick r:id="rId3"/>
+              </a:rPr>
+              <a:t>http://</a:t>
+            </a:r>
+            <a:r>
+              <a:rPr lang="en-US" dirty="0" smtClean="0">
+                <a:hlinkClick r:id="rId3"/>
+              </a:rPr>
+              <a:t>www.infoq.com/presentations/Spock</a:t>
+            </a:r>
+            <a:endParaRPr lang="en-US" dirty="0" smtClean="0"/>
+          </a:p>
+          <a:p>
+            <a:r>
+              <a:rPr lang="en-US" dirty="0">
+                <a:hlinkClick r:id="rId4"/>
+              </a:rPr>
+              <a:t>http://</a:t>
+            </a:r>
+            <a:r>
+              <a:rPr lang="en-US" dirty="0" smtClean="0">
+                <a:hlinkClick r:id="rId4"/>
+              </a:rPr>
+              <a:t>spockframework.github.io/spock/docs/1.0/index.html</a:t>
+            </a:r>
+            <a:endParaRPr lang="en-US" dirty="0" smtClean="0"/>
+          </a:p>
+          <a:p>
+            <a:r>
+              <a:rPr lang="en-US" dirty="0"/>
+              <a:t>https://github.com/tomkasp/spock-presentation</a:t>
+            </a:r>
+            <a:endParaRPr lang="en-US" dirty="0"/>
+          </a:p>
+        </p:txBody>
+      </p:sp>
+    </p:spTree>
+    <p:extLst>
+      <p:ext uri="{BB962C8B-B14F-4D97-AF65-F5344CB8AC3E}">
+        <p14:creationId xmlns:p14="http://schemas.microsoft.com/office/powerpoint/2010/main" val="557902327"/>
+      </p:ext>
+    </p:extLst>
+  </p:cSld>
+  <p:clrMapOvr>
+    <a:masterClrMapping/>
+  </p:clrMapOvr>
+  <p:timing>
+    <p:tnLst>
+      <p:par>
+        <p:cTn id="1" dur="indefinite" restart="never" nodeType="tmRoot"/>
+      </p:par>
+    </p:tnLst>
+  </p:timing>
 </p:sld>
 </file>
 
@@ -4274,13 +4417,8 @@
           <a:p>
             <a:r>
               <a:rPr lang="en-US" dirty="0" smtClean="0"/>
-              <a:t>Build in mechanism for mocking and </a:t>
-            </a:r>
-            <a:r>
-              <a:rPr lang="en-US" dirty="0" smtClean="0"/>
-              <a:t>stubbing</a:t>
-            </a:r>
-            <a:endParaRPr lang="en-US" dirty="0" smtClean="0"/>
+              <a:t>Build in mechanism for mocking and stubbing</a:t>
+            </a:r>
           </a:p>
           <a:p>
             <a:r>
@@ -4367,7 +4505,12 @@
             <p:ph idx="1"/>
           </p:nvPr>
         </p:nvSpPr>
-        <p:spPr/>
+        <p:spPr>
+          <a:xfrm>
+            <a:off x="457200" y="1600200"/>
+            <a:ext cx="8229600" cy="4525963"/>
+          </a:xfrm>
+        </p:spPr>
         <p:txBody>
           <a:bodyPr>
             <a:normAutofit fontScale="92500"/>
@@ -4960,7 +5103,7 @@
         </p:blipFill>
         <p:spPr bwMode="auto">
           <a:xfrm>
-            <a:off x="914400" y="1828800"/>
+            <a:off x="990600" y="1828800"/>
             <a:ext cx="7467600" cy="4267200"/>
           </a:xfrm>
           <a:prstGeom prst="rect">
